--- a/Präsentationen/4_Prösentation.pptx
+++ b/Präsentationen/4_Prösentation.pptx
@@ -4,6 +4,9 @@
   <p:sldMasterIdLst>
     <p:sldMasterId id="2147483648" r:id="rId1"/>
   </p:sldMasterIdLst>
+  <p:notesMasterIdLst>
+    <p:notesMasterId r:id="rId18"/>
+  </p:notesMasterIdLst>
   <p:sldIdLst>
     <p:sldId id="256" r:id="rId2"/>
     <p:sldId id="257" r:id="rId3"/>
@@ -11,15 +14,16 @@
     <p:sldId id="271" r:id="rId5"/>
     <p:sldId id="261" r:id="rId6"/>
     <p:sldId id="260" r:id="rId7"/>
-    <p:sldId id="268" r:id="rId8"/>
-    <p:sldId id="265" r:id="rId9"/>
-    <p:sldId id="266" r:id="rId10"/>
-    <p:sldId id="270" r:id="rId11"/>
-    <p:sldId id="269" r:id="rId12"/>
-    <p:sldId id="267" r:id="rId13"/>
-    <p:sldId id="262" r:id="rId14"/>
-    <p:sldId id="263" r:id="rId15"/>
-    <p:sldId id="264" r:id="rId16"/>
+    <p:sldId id="272" r:id="rId8"/>
+    <p:sldId id="268" r:id="rId9"/>
+    <p:sldId id="265" r:id="rId10"/>
+    <p:sldId id="266" r:id="rId11"/>
+    <p:sldId id="270" r:id="rId12"/>
+    <p:sldId id="269" r:id="rId13"/>
+    <p:sldId id="267" r:id="rId14"/>
+    <p:sldId id="262" r:id="rId15"/>
+    <p:sldId id="263" r:id="rId16"/>
+    <p:sldId id="264" r:id="rId17"/>
   </p:sldIdLst>
   <p:sldSz cx="12192000" cy="6858000"/>
   <p:notesSz cx="6858000" cy="9144000"/>
@@ -118,7 +122,563 @@
       </a:defRPr>
     </a:lvl9pPr>
   </p:defaultTextStyle>
+  <p:extLst>
+    <p:ext uri="{EFAFB233-063F-42B5-8137-9DF3F51BA10A}">
+      <p15:sldGuideLst xmlns:p15="http://schemas.microsoft.com/office/powerpoint/2012/main"/>
+    </p:ext>
+  </p:extLst>
 </p:presentation>
+</file>
+
+<file path=ppt/notesMasters/notesMaster1.xml><?xml version="1.0" encoding="utf-8"?>
+<p:notesMaster xmlns:a="http://schemas.openxmlformats.org/drawingml/2006/main" xmlns:r="http://schemas.openxmlformats.org/officeDocument/2006/relationships" xmlns:p="http://schemas.openxmlformats.org/presentationml/2006/main">
+  <p:cSld>
+    <p:bg>
+      <p:bgRef idx="1001">
+        <a:schemeClr val="bg1"/>
+      </p:bgRef>
+    </p:bg>
+    <p:spTree>
+      <p:nvGrpSpPr>
+        <p:cNvPr id="1" name=""/>
+        <p:cNvGrpSpPr/>
+        <p:nvPr/>
+      </p:nvGrpSpPr>
+      <p:grpSpPr>
+        <a:xfrm>
+          <a:off x="0" y="0"/>
+          <a:ext cx="0" cy="0"/>
+          <a:chOff x="0" y="0"/>
+          <a:chExt cx="0" cy="0"/>
+        </a:xfrm>
+      </p:grpSpPr>
+      <p:sp>
+        <p:nvSpPr>
+          <p:cNvPr id="2" name="Kopfzeilenplatzhalter 1"/>
+          <p:cNvSpPr>
+            <a:spLocks noGrp="1"/>
+          </p:cNvSpPr>
+          <p:nvPr>
+            <p:ph type="hdr" sz="quarter"/>
+          </p:nvPr>
+        </p:nvSpPr>
+        <p:spPr>
+          <a:xfrm>
+            <a:off x="0" y="0"/>
+            <a:ext cx="2971800" cy="458788"/>
+          </a:xfrm>
+          <a:prstGeom prst="rect">
+            <a:avLst/>
+          </a:prstGeom>
+        </p:spPr>
+        <p:txBody>
+          <a:bodyPr vert="horz" lIns="91440" tIns="45720" rIns="91440" bIns="45720" rtlCol="0"/>
+          <a:lstStyle>
+            <a:lvl1pPr algn="l">
+              <a:defRPr sz="1200"/>
+            </a:lvl1pPr>
+          </a:lstStyle>
+          <a:p>
+            <a:endParaRPr lang="de-DE"/>
+          </a:p>
+        </p:txBody>
+      </p:sp>
+      <p:sp>
+        <p:nvSpPr>
+          <p:cNvPr id="3" name="Datumsplatzhalter 2"/>
+          <p:cNvSpPr>
+            <a:spLocks noGrp="1"/>
+          </p:cNvSpPr>
+          <p:nvPr>
+            <p:ph type="dt" idx="1"/>
+          </p:nvPr>
+        </p:nvSpPr>
+        <p:spPr>
+          <a:xfrm>
+            <a:off x="3884613" y="0"/>
+            <a:ext cx="2971800" cy="458788"/>
+          </a:xfrm>
+          <a:prstGeom prst="rect">
+            <a:avLst/>
+          </a:prstGeom>
+        </p:spPr>
+        <p:txBody>
+          <a:bodyPr vert="horz" lIns="91440" tIns="45720" rIns="91440" bIns="45720" rtlCol="0"/>
+          <a:lstStyle>
+            <a:lvl1pPr algn="r">
+              <a:defRPr sz="1200"/>
+            </a:lvl1pPr>
+          </a:lstStyle>
+          <a:p>
+            <a:fld id="{D03C797F-C4FE-4B47-8640-1400F32034AC}" type="datetimeFigureOut">
+              <a:rPr lang="de-DE" smtClean="0"/>
+              <a:t>30.05.2021</a:t>
+            </a:fld>
+            <a:endParaRPr lang="de-DE"/>
+          </a:p>
+        </p:txBody>
+      </p:sp>
+      <p:sp>
+        <p:nvSpPr>
+          <p:cNvPr id="4" name="Folienbildplatzhalter 3"/>
+          <p:cNvSpPr>
+            <a:spLocks noGrp="1" noRot="1" noChangeAspect="1"/>
+          </p:cNvSpPr>
+          <p:nvPr>
+            <p:ph type="sldImg" idx="2"/>
+          </p:nvPr>
+        </p:nvSpPr>
+        <p:spPr>
+          <a:xfrm>
+            <a:off x="685800" y="1143000"/>
+            <a:ext cx="5486400" cy="3086100"/>
+          </a:xfrm>
+          <a:prstGeom prst="rect">
+            <a:avLst/>
+          </a:prstGeom>
+          <a:noFill/>
+          <a:ln w="12700">
+            <a:solidFill>
+              <a:prstClr val="black"/>
+            </a:solidFill>
+          </a:ln>
+        </p:spPr>
+        <p:txBody>
+          <a:bodyPr vert="horz" lIns="91440" tIns="45720" rIns="91440" bIns="45720" rtlCol="0" anchor="ctr"/>
+          <a:lstStyle/>
+          <a:p>
+            <a:endParaRPr lang="de-DE"/>
+          </a:p>
+        </p:txBody>
+      </p:sp>
+      <p:sp>
+        <p:nvSpPr>
+          <p:cNvPr id="5" name="Notizenplatzhalter 4"/>
+          <p:cNvSpPr>
+            <a:spLocks noGrp="1"/>
+          </p:cNvSpPr>
+          <p:nvPr>
+            <p:ph type="body" sz="quarter" idx="3"/>
+          </p:nvPr>
+        </p:nvSpPr>
+        <p:spPr>
+          <a:xfrm>
+            <a:off x="685800" y="4400550"/>
+            <a:ext cx="5486400" cy="3600450"/>
+          </a:xfrm>
+          <a:prstGeom prst="rect">
+            <a:avLst/>
+          </a:prstGeom>
+        </p:spPr>
+        <p:txBody>
+          <a:bodyPr vert="horz" lIns="91440" tIns="45720" rIns="91440" bIns="45720" rtlCol="0"/>
+          <a:lstStyle/>
+          <a:p>
+            <a:pPr lvl="0"/>
+            <a:r>
+              <a:rPr lang="de-DE"/>
+              <a:t>Mastertextformat bearbeiten</a:t>
+            </a:r>
+          </a:p>
+          <a:p>
+            <a:pPr lvl="1"/>
+            <a:r>
+              <a:rPr lang="de-DE"/>
+              <a:t>Zweite Ebene</a:t>
+            </a:r>
+          </a:p>
+          <a:p>
+            <a:pPr lvl="2"/>
+            <a:r>
+              <a:rPr lang="de-DE"/>
+              <a:t>Dritte Ebene</a:t>
+            </a:r>
+          </a:p>
+          <a:p>
+            <a:pPr lvl="3"/>
+            <a:r>
+              <a:rPr lang="de-DE"/>
+              <a:t>Vierte Ebene</a:t>
+            </a:r>
+          </a:p>
+          <a:p>
+            <a:pPr lvl="4"/>
+            <a:r>
+              <a:rPr lang="de-DE"/>
+              <a:t>Fünfte Ebene</a:t>
+            </a:r>
+          </a:p>
+        </p:txBody>
+      </p:sp>
+      <p:sp>
+        <p:nvSpPr>
+          <p:cNvPr id="6" name="Fußzeilenplatzhalter 5"/>
+          <p:cNvSpPr>
+            <a:spLocks noGrp="1"/>
+          </p:cNvSpPr>
+          <p:nvPr>
+            <p:ph type="ftr" sz="quarter" idx="4"/>
+          </p:nvPr>
+        </p:nvSpPr>
+        <p:spPr>
+          <a:xfrm>
+            <a:off x="0" y="8685213"/>
+            <a:ext cx="2971800" cy="458787"/>
+          </a:xfrm>
+          <a:prstGeom prst="rect">
+            <a:avLst/>
+          </a:prstGeom>
+        </p:spPr>
+        <p:txBody>
+          <a:bodyPr vert="horz" lIns="91440" tIns="45720" rIns="91440" bIns="45720" rtlCol="0" anchor="b"/>
+          <a:lstStyle>
+            <a:lvl1pPr algn="l">
+              <a:defRPr sz="1200"/>
+            </a:lvl1pPr>
+          </a:lstStyle>
+          <a:p>
+            <a:endParaRPr lang="de-DE"/>
+          </a:p>
+        </p:txBody>
+      </p:sp>
+      <p:sp>
+        <p:nvSpPr>
+          <p:cNvPr id="7" name="Foliennummernplatzhalter 6"/>
+          <p:cNvSpPr>
+            <a:spLocks noGrp="1"/>
+          </p:cNvSpPr>
+          <p:nvPr>
+            <p:ph type="sldNum" sz="quarter" idx="5"/>
+          </p:nvPr>
+        </p:nvSpPr>
+        <p:spPr>
+          <a:xfrm>
+            <a:off x="3884613" y="8685213"/>
+            <a:ext cx="2971800" cy="458787"/>
+          </a:xfrm>
+          <a:prstGeom prst="rect">
+            <a:avLst/>
+          </a:prstGeom>
+        </p:spPr>
+        <p:txBody>
+          <a:bodyPr vert="horz" lIns="91440" tIns="45720" rIns="91440" bIns="45720" rtlCol="0" anchor="b"/>
+          <a:lstStyle>
+            <a:lvl1pPr algn="r">
+              <a:defRPr sz="1200"/>
+            </a:lvl1pPr>
+          </a:lstStyle>
+          <a:p>
+            <a:fld id="{F78F9F78-AA6A-4BBA-A21B-184056C3343E}" type="slidenum">
+              <a:rPr lang="de-DE" smtClean="0"/>
+              <a:t>‹Nr.›</a:t>
+            </a:fld>
+            <a:endParaRPr lang="de-DE"/>
+          </a:p>
+        </p:txBody>
+      </p:sp>
+    </p:spTree>
+    <p:extLst>
+      <p:ext uri="{BB962C8B-B14F-4D97-AF65-F5344CB8AC3E}">
+        <p14:creationId xmlns:p14="http://schemas.microsoft.com/office/powerpoint/2010/main" val="1126407148"/>
+      </p:ext>
+    </p:extLst>
+  </p:cSld>
+  <p:clrMap bg1="lt1" tx1="dk1" bg2="lt2" tx2="dk2" accent1="accent1" accent2="accent2" accent3="accent3" accent4="accent4" accent5="accent5" accent6="accent6" hlink="hlink" folHlink="folHlink"/>
+  <p:notesStyle>
+    <a:lvl1pPr marL="0" algn="l" defTabSz="914400" rtl="0" eaLnBrk="1" latinLnBrk="0" hangingPunct="1">
+      <a:defRPr sz="1200" kern="1200">
+        <a:solidFill>
+          <a:schemeClr val="tx1"/>
+        </a:solidFill>
+        <a:latin typeface="+mn-lt"/>
+        <a:ea typeface="+mn-ea"/>
+        <a:cs typeface="+mn-cs"/>
+      </a:defRPr>
+    </a:lvl1pPr>
+    <a:lvl2pPr marL="457200" algn="l" defTabSz="914400" rtl="0" eaLnBrk="1" latinLnBrk="0" hangingPunct="1">
+      <a:defRPr sz="1200" kern="1200">
+        <a:solidFill>
+          <a:schemeClr val="tx1"/>
+        </a:solidFill>
+        <a:latin typeface="+mn-lt"/>
+        <a:ea typeface="+mn-ea"/>
+        <a:cs typeface="+mn-cs"/>
+      </a:defRPr>
+    </a:lvl2pPr>
+    <a:lvl3pPr marL="914400" algn="l" defTabSz="914400" rtl="0" eaLnBrk="1" latinLnBrk="0" hangingPunct="1">
+      <a:defRPr sz="1200" kern="1200">
+        <a:solidFill>
+          <a:schemeClr val="tx1"/>
+        </a:solidFill>
+        <a:latin typeface="+mn-lt"/>
+        <a:ea typeface="+mn-ea"/>
+        <a:cs typeface="+mn-cs"/>
+      </a:defRPr>
+    </a:lvl3pPr>
+    <a:lvl4pPr marL="1371600" algn="l" defTabSz="914400" rtl="0" eaLnBrk="1" latinLnBrk="0" hangingPunct="1">
+      <a:defRPr sz="1200" kern="1200">
+        <a:solidFill>
+          <a:schemeClr val="tx1"/>
+        </a:solidFill>
+        <a:latin typeface="+mn-lt"/>
+        <a:ea typeface="+mn-ea"/>
+        <a:cs typeface="+mn-cs"/>
+      </a:defRPr>
+    </a:lvl4pPr>
+    <a:lvl5pPr marL="1828800" algn="l" defTabSz="914400" rtl="0" eaLnBrk="1" latinLnBrk="0" hangingPunct="1">
+      <a:defRPr sz="1200" kern="1200">
+        <a:solidFill>
+          <a:schemeClr val="tx1"/>
+        </a:solidFill>
+        <a:latin typeface="+mn-lt"/>
+        <a:ea typeface="+mn-ea"/>
+        <a:cs typeface="+mn-cs"/>
+      </a:defRPr>
+    </a:lvl5pPr>
+    <a:lvl6pPr marL="2286000" algn="l" defTabSz="914400" rtl="0" eaLnBrk="1" latinLnBrk="0" hangingPunct="1">
+      <a:defRPr sz="1200" kern="1200">
+        <a:solidFill>
+          <a:schemeClr val="tx1"/>
+        </a:solidFill>
+        <a:latin typeface="+mn-lt"/>
+        <a:ea typeface="+mn-ea"/>
+        <a:cs typeface="+mn-cs"/>
+      </a:defRPr>
+    </a:lvl6pPr>
+    <a:lvl7pPr marL="2743200" algn="l" defTabSz="914400" rtl="0" eaLnBrk="1" latinLnBrk="0" hangingPunct="1">
+      <a:defRPr sz="1200" kern="1200">
+        <a:solidFill>
+          <a:schemeClr val="tx1"/>
+        </a:solidFill>
+        <a:latin typeface="+mn-lt"/>
+        <a:ea typeface="+mn-ea"/>
+        <a:cs typeface="+mn-cs"/>
+      </a:defRPr>
+    </a:lvl7pPr>
+    <a:lvl8pPr marL="3200400" algn="l" defTabSz="914400" rtl="0" eaLnBrk="1" latinLnBrk="0" hangingPunct="1">
+      <a:defRPr sz="1200" kern="1200">
+        <a:solidFill>
+          <a:schemeClr val="tx1"/>
+        </a:solidFill>
+        <a:latin typeface="+mn-lt"/>
+        <a:ea typeface="+mn-ea"/>
+        <a:cs typeface="+mn-cs"/>
+      </a:defRPr>
+    </a:lvl8pPr>
+    <a:lvl9pPr marL="3657600" algn="l" defTabSz="914400" rtl="0" eaLnBrk="1" latinLnBrk="0" hangingPunct="1">
+      <a:defRPr sz="1200" kern="1200">
+        <a:solidFill>
+          <a:schemeClr val="tx1"/>
+        </a:solidFill>
+        <a:latin typeface="+mn-lt"/>
+        <a:ea typeface="+mn-ea"/>
+        <a:cs typeface="+mn-cs"/>
+      </a:defRPr>
+    </a:lvl9pPr>
+  </p:notesStyle>
+</p:notesMaster>
+</file>
+
+<file path=ppt/notesSlides/notesSlide1.xml><?xml version="1.0" encoding="utf-8"?>
+<p:notes xmlns:a="http://schemas.openxmlformats.org/drawingml/2006/main" xmlns:r="http://schemas.openxmlformats.org/officeDocument/2006/relationships" xmlns:p="http://schemas.openxmlformats.org/presentationml/2006/main">
+  <p:cSld>
+    <p:spTree>
+      <p:nvGrpSpPr>
+        <p:cNvPr id="1" name=""/>
+        <p:cNvGrpSpPr/>
+        <p:nvPr/>
+      </p:nvGrpSpPr>
+      <p:grpSpPr>
+        <a:xfrm>
+          <a:off x="0" y="0"/>
+          <a:ext cx="0" cy="0"/>
+          <a:chOff x="0" y="0"/>
+          <a:chExt cx="0" cy="0"/>
+        </a:xfrm>
+      </p:grpSpPr>
+      <p:sp>
+        <p:nvSpPr>
+          <p:cNvPr id="2" name="Folienbildplatzhalter 1"/>
+          <p:cNvSpPr>
+            <a:spLocks noGrp="1" noRot="1" noChangeAspect="1"/>
+          </p:cNvSpPr>
+          <p:nvPr>
+            <p:ph type="sldImg"/>
+          </p:nvPr>
+        </p:nvSpPr>
+        <p:spPr/>
+      </p:sp>
+      <p:sp>
+        <p:nvSpPr>
+          <p:cNvPr id="3" name="Notizenplatzhalter 2"/>
+          <p:cNvSpPr>
+            <a:spLocks noGrp="1"/>
+          </p:cNvSpPr>
+          <p:nvPr>
+            <p:ph type="body" idx="1"/>
+          </p:nvPr>
+        </p:nvSpPr>
+        <p:spPr/>
+        <p:txBody>
+          <a:bodyPr/>
+          <a:lstStyle/>
+          <a:p>
+            <a:r>
+              <a:rPr lang="de-DE" dirty="0"/>
+              <a:t>Hallo und herzlich Willkommen zu unserer heutigen </a:t>
+            </a:r>
+            <a:r>
+              <a:rPr lang="de-DE" dirty="0" err="1"/>
+              <a:t>Präsentatio</a:t>
+            </a:r>
+            <a:r>
+              <a:rPr lang="de-DE" dirty="0"/>
+              <a:t> zu </a:t>
+            </a:r>
+            <a:r>
+              <a:rPr lang="de-DE" dirty="0" err="1"/>
+              <a:t>aiCard</a:t>
+            </a:r>
+            <a:r>
+              <a:rPr lang="de-DE" dirty="0"/>
+              <a:t> ein Kartenlernsystem für die Fachhochschule Erfurt</a:t>
+            </a:r>
+          </a:p>
+        </p:txBody>
+      </p:sp>
+      <p:sp>
+        <p:nvSpPr>
+          <p:cNvPr id="4" name="Foliennummernplatzhalter 3"/>
+          <p:cNvSpPr>
+            <a:spLocks noGrp="1"/>
+          </p:cNvSpPr>
+          <p:nvPr>
+            <p:ph type="sldNum" sz="quarter" idx="5"/>
+          </p:nvPr>
+        </p:nvSpPr>
+        <p:spPr/>
+        <p:txBody>
+          <a:bodyPr/>
+          <a:lstStyle/>
+          <a:p>
+            <a:fld id="{F78F9F78-AA6A-4BBA-A21B-184056C3343E}" type="slidenum">
+              <a:rPr lang="de-DE" smtClean="0"/>
+              <a:t>1</a:t>
+            </a:fld>
+            <a:endParaRPr lang="de-DE"/>
+          </a:p>
+        </p:txBody>
+      </p:sp>
+    </p:spTree>
+    <p:extLst>
+      <p:ext uri="{BB962C8B-B14F-4D97-AF65-F5344CB8AC3E}">
+        <p14:creationId xmlns:p14="http://schemas.microsoft.com/office/powerpoint/2010/main" val="3566197263"/>
+      </p:ext>
+    </p:extLst>
+  </p:cSld>
+  <p:clrMapOvr>
+    <a:masterClrMapping/>
+  </p:clrMapOvr>
+</p:notes>
+</file>
+
+<file path=ppt/notesSlides/notesSlide2.xml><?xml version="1.0" encoding="utf-8"?>
+<p:notes xmlns:a="http://schemas.openxmlformats.org/drawingml/2006/main" xmlns:r="http://schemas.openxmlformats.org/officeDocument/2006/relationships" xmlns:p="http://schemas.openxmlformats.org/presentationml/2006/main">
+  <p:cSld>
+    <p:spTree>
+      <p:nvGrpSpPr>
+        <p:cNvPr id="1" name=""/>
+        <p:cNvGrpSpPr/>
+        <p:nvPr/>
+      </p:nvGrpSpPr>
+      <p:grpSpPr>
+        <a:xfrm>
+          <a:off x="0" y="0"/>
+          <a:ext cx="0" cy="0"/>
+          <a:chOff x="0" y="0"/>
+          <a:chExt cx="0" cy="0"/>
+        </a:xfrm>
+      </p:grpSpPr>
+      <p:sp>
+        <p:nvSpPr>
+          <p:cNvPr id="2" name="Folienbildplatzhalter 1"/>
+          <p:cNvSpPr>
+            <a:spLocks noGrp="1" noRot="1" noChangeAspect="1"/>
+          </p:cNvSpPr>
+          <p:nvPr>
+            <p:ph type="sldImg"/>
+          </p:nvPr>
+        </p:nvSpPr>
+        <p:spPr/>
+      </p:sp>
+      <p:sp>
+        <p:nvSpPr>
+          <p:cNvPr id="3" name="Notizenplatzhalter 2"/>
+          <p:cNvSpPr>
+            <a:spLocks noGrp="1"/>
+          </p:cNvSpPr>
+          <p:nvPr>
+            <p:ph type="body" idx="1"/>
+          </p:nvPr>
+        </p:nvSpPr>
+        <p:spPr/>
+        <p:txBody>
+          <a:bodyPr/>
+          <a:lstStyle/>
+          <a:p>
+            <a:r>
+              <a:rPr lang="de-DE" dirty="0" err="1"/>
+              <a:t>aiCard</a:t>
+            </a:r>
+            <a:r>
+              <a:rPr lang="de-DE" dirty="0"/>
+              <a:t> ist ein Kartenlernsystem für Studierende und Lehrende speziell für die Fachhochschule Erfurt, bei dem man Karten bzw. </a:t>
+            </a:r>
+            <a:r>
+              <a:rPr lang="de-DE" dirty="0" err="1"/>
+              <a:t>Lernsets</a:t>
+            </a:r>
+            <a:r>
+              <a:rPr lang="de-DE" dirty="0"/>
+              <a:t> mit Karten erstellen und austauschen kann. Für genauere Infos ist hier auch nochmal der Link zu unserem GitHub Repository</a:t>
+            </a:r>
+          </a:p>
+        </p:txBody>
+      </p:sp>
+      <p:sp>
+        <p:nvSpPr>
+          <p:cNvPr id="4" name="Foliennummernplatzhalter 3"/>
+          <p:cNvSpPr>
+            <a:spLocks noGrp="1"/>
+          </p:cNvSpPr>
+          <p:nvPr>
+            <p:ph type="sldNum" sz="quarter" idx="5"/>
+          </p:nvPr>
+        </p:nvSpPr>
+        <p:spPr/>
+        <p:txBody>
+          <a:bodyPr/>
+          <a:lstStyle/>
+          <a:p>
+            <a:fld id="{F78F9F78-AA6A-4BBA-A21B-184056C3343E}" type="slidenum">
+              <a:rPr lang="de-DE" smtClean="0"/>
+              <a:t>3</a:t>
+            </a:fld>
+            <a:endParaRPr lang="de-DE"/>
+          </a:p>
+        </p:txBody>
+      </p:sp>
+    </p:spTree>
+    <p:extLst>
+      <p:ext uri="{BB962C8B-B14F-4D97-AF65-F5344CB8AC3E}">
+        <p14:creationId xmlns:p14="http://schemas.microsoft.com/office/powerpoint/2010/main" val="3053059936"/>
+      </p:ext>
+    </p:extLst>
+  </p:cSld>
+  <p:clrMapOvr>
+    <a:masterClrMapping/>
+  </p:clrMapOvr>
+</p:notes>
 </file>
 
 <file path=ppt/slideLayouts/slideLayout1.xml><?xml version="1.0" encoding="utf-8"?>
@@ -395,7 +955,7 @@
           <a:p>
             <a:fld id="{397E0307-B85C-446A-8EF0-0407D435D787}" type="datetimeFigureOut">
               <a:rPr lang="en-US" dirty="0"/>
-              <a:t>5/29/2021</a:t>
+              <a:t>5/30/2021</a:t>
             </a:fld>
             <a:endParaRPr lang="en-US" dirty="0"/>
           </a:p>
@@ -804,7 +1364,7 @@
           <a:p>
             <a:fld id="{8BD862E7-95FA-4FC4-9EC5-DDBFA8DC7417}" type="datetimeFigureOut">
               <a:rPr lang="en-US" dirty="0"/>
-              <a:t>5/29/2021</a:t>
+              <a:t>5/30/2021</a:t>
             </a:fld>
             <a:endParaRPr lang="en-US" dirty="0"/>
           </a:p>
@@ -1135,7 +1695,7 @@
           <a:p>
             <a:fld id="{8DB987F2-A784-4F72-BB57-0E9EACDE722E}" type="datetimeFigureOut">
               <a:rPr lang="en-US" dirty="0"/>
-              <a:t>5/29/2021</a:t>
+              <a:t>5/30/2021</a:t>
             </a:fld>
             <a:endParaRPr lang="en-US" dirty="0"/>
           </a:p>
@@ -1535,7 +2095,7 @@
           <a:p>
             <a:fld id="{40BBD51E-4B19-444E-85C0-DBD7EB6263F4}" type="datetimeFigureOut">
               <a:rPr lang="en-US" dirty="0"/>
-              <a:t>5/29/2021</a:t>
+              <a:t>5/30/2021</a:t>
             </a:fld>
             <a:endParaRPr lang="en-US" dirty="0"/>
           </a:p>
@@ -2098,7 +2658,7 @@
           <a:p>
             <a:fld id="{F0D7255A-4AD5-4D3E-9A0A-689DA3BA976C}" type="datetimeFigureOut">
               <a:rPr lang="en-US" dirty="0"/>
-              <a:t>5/29/2021</a:t>
+              <a:t>5/30/2021</a:t>
             </a:fld>
             <a:endParaRPr lang="en-US" dirty="0"/>
           </a:p>
@@ -2774,7 +3334,7 @@
           <a:p>
             <a:fld id="{3EE0AD15-87AC-45B2-9EE5-8D165AF83CD7}" type="datetimeFigureOut">
               <a:rPr lang="en-US" dirty="0"/>
-              <a:t>5/29/2021</a:t>
+              <a:t>5/30/2021</a:t>
             </a:fld>
             <a:endParaRPr lang="en-US" dirty="0"/>
           </a:p>
@@ -3682,7 +4242,7 @@
           <a:p>
             <a:fld id="{FCC40CCD-F0D6-4CC2-A4C8-2D7D0D875F02}" type="datetimeFigureOut">
               <a:rPr lang="en-US" dirty="0"/>
-              <a:t>5/29/2021</a:t>
+              <a:t>5/30/2021</a:t>
             </a:fld>
             <a:endParaRPr lang="en-US" dirty="0"/>
           </a:p>
@@ -3990,7 +4550,7 @@
           <a:p>
             <a:fld id="{B3CFE2CC-454D-4466-AC55-B86DA0A87BAE}" type="datetimeFigureOut">
               <a:rPr lang="en-US" dirty="0"/>
-              <a:t>5/29/2021</a:t>
+              <a:t>5/30/2021</a:t>
             </a:fld>
             <a:endParaRPr lang="en-US" dirty="0"/>
           </a:p>
@@ -4249,7 +4809,7 @@
           <a:p>
             <a:fld id="{B647B1BF-4039-460D-A637-65428CBD720E}" type="datetimeFigureOut">
               <a:rPr lang="en-US" dirty="0"/>
-              <a:t>5/29/2021</a:t>
+              <a:t>5/30/2021</a:t>
             </a:fld>
             <a:endParaRPr lang="en-US" dirty="0"/>
           </a:p>
@@ -4568,7 +5128,7 @@
           <a:p>
             <a:fld id="{AAA39ACE-9343-4EBE-B5CA-AEA240A1DC53}" type="datetimeFigureOut">
               <a:rPr lang="en-US" dirty="0"/>
-              <a:t>5/29/2021</a:t>
+              <a:t>5/30/2021</a:t>
             </a:fld>
             <a:endParaRPr lang="en-US" dirty="0"/>
           </a:p>
@@ -4952,7 +5512,7 @@
           <a:p>
             <a:fld id="{C9A00F7B-89C5-4DF7-A309-6263220147D4}" type="datetimeFigureOut">
               <a:rPr lang="en-US" dirty="0"/>
-              <a:t>5/29/2021</a:t>
+              <a:t>5/30/2021</a:t>
             </a:fld>
             <a:endParaRPr lang="en-US" dirty="0"/>
           </a:p>
@@ -5323,7 +5883,7 @@
           <a:p>
             <a:fld id="{449C95DE-FD64-4606-AE61-EC1136867CC6}" type="datetimeFigureOut">
               <a:rPr lang="en-US" dirty="0"/>
-              <a:t>5/29/2021</a:t>
+              <a:t>5/30/2021</a:t>
             </a:fld>
             <a:endParaRPr lang="en-US" dirty="0"/>
           </a:p>
@@ -5824,7 +6384,7 @@
           <a:p>
             <a:fld id="{5DEB0BBD-30FE-4CF1-900A-0C45149F8AF8}" type="datetimeFigureOut">
               <a:rPr lang="en-US" dirty="0"/>
-              <a:t>5/29/2021</a:t>
+              <a:t>5/30/2021</a:t>
             </a:fld>
             <a:endParaRPr lang="en-US" dirty="0"/>
           </a:p>
@@ -6076,7 +6636,7 @@
           <a:p>
             <a:fld id="{B91A5F7F-3E81-4C65-A4D1-CB62D5B9DB91}" type="datetimeFigureOut">
               <a:rPr lang="en-US" dirty="0"/>
-              <a:t>5/29/2021</a:t>
+              <a:t>5/30/2021</a:t>
             </a:fld>
             <a:endParaRPr lang="en-US" dirty="0"/>
           </a:p>
@@ -6234,7 +6794,7 @@
           <a:p>
             <a:fld id="{377ECC86-1672-4627-AEFE-EC5485C73905}" type="datetimeFigureOut">
               <a:rPr lang="en-US" dirty="0"/>
-              <a:t>5/29/2021</a:t>
+              <a:t>5/30/2021</a:t>
             </a:fld>
             <a:endParaRPr lang="en-US" dirty="0"/>
           </a:p>
@@ -6619,7 +7179,7 @@
           <a:p>
             <a:fld id="{3CDCB01F-D966-4C62-B900-0BE008A90C98}" type="datetimeFigureOut">
               <a:rPr lang="en-US" dirty="0"/>
-              <a:t>5/29/2021</a:t>
+              <a:t>5/30/2021</a:t>
             </a:fld>
             <a:endParaRPr lang="en-US" dirty="0"/>
           </a:p>
@@ -7023,7 +7583,7 @@
           <a:p>
             <a:fld id="{5E73A0EA-7DC7-4964-BB97-B173EF3B859A}" type="datetimeFigureOut">
               <a:rPr lang="en-US" dirty="0"/>
-              <a:t>5/29/2021</a:t>
+              <a:t>5/30/2021</a:t>
             </a:fld>
             <a:endParaRPr lang="en-US" dirty="0"/>
           </a:p>
@@ -7262,7 +7822,7 @@
           <a:p>
             <a:fld id="{30EF52CC-F3D9-41D4-BCE4-C208E61A3F31}" type="datetimeFigureOut">
               <a:rPr lang="en-US" dirty="0"/>
-              <a:t>5/29/2021</a:t>
+              <a:t>5/30/2021</a:t>
             </a:fld>
             <a:endParaRPr lang="en-US" dirty="0"/>
           </a:p>
@@ -7768,7 +8328,7 @@
           <p:cNvPr id="2" name="Titel 1">
             <a:extLst>
               <a:ext uri="{FF2B5EF4-FFF2-40B4-BE49-F238E27FC236}">
-                <a16:creationId xmlns:a16="http://schemas.microsoft.com/office/drawing/2014/main" id="{F20195A7-5C84-4549-891A-4EDEB14F9620}"/>
+                <a16:creationId xmlns:a16="http://schemas.microsoft.com/office/drawing/2014/main" id="{1B937843-7417-465E-B734-C58FF66AF601}"/>
               </a:ext>
             </a:extLst>
           </p:cNvPr>
@@ -7794,10 +8354,10 @@
       </p:sp>
       <p:pic>
         <p:nvPicPr>
-          <p:cNvPr id="5" name="Inhaltsplatzhalter 4">
+          <p:cNvPr id="11" name="Inhaltsplatzhalter 10">
             <a:extLst>
               <a:ext uri="{FF2B5EF4-FFF2-40B4-BE49-F238E27FC236}">
-                <a16:creationId xmlns:a16="http://schemas.microsoft.com/office/drawing/2014/main" id="{FF9EA8A5-1E0B-4C78-B6B8-371DBEF9D4EE}"/>
+                <a16:creationId xmlns:a16="http://schemas.microsoft.com/office/drawing/2014/main" id="{EFB9958C-ABE5-461C-AA10-E9B13D013506}"/>
               </a:ext>
             </a:extLst>
           </p:cNvPr>
@@ -7816,15 +8376,15 @@
         </p:blipFill>
         <p:spPr>
           <a:xfrm>
-            <a:off x="2376181" y="2073189"/>
-            <a:ext cx="7439637" cy="4713122"/>
+            <a:off x="2454287" y="2072943"/>
+            <a:ext cx="7283425" cy="4614160"/>
           </a:xfrm>
         </p:spPr>
       </p:pic>
     </p:spTree>
     <p:extLst>
       <p:ext uri="{BB962C8B-B14F-4D97-AF65-F5344CB8AC3E}">
-        <p14:creationId xmlns:p14="http://schemas.microsoft.com/office/powerpoint/2010/main" val="1404579971"/>
+        <p14:creationId xmlns:p14="http://schemas.microsoft.com/office/powerpoint/2010/main" val="25385630"/>
       </p:ext>
     </p:extLst>
   </p:cSld>
@@ -7856,7 +8416,7 @@
           <p:cNvPr id="2" name="Titel 1">
             <a:extLst>
               <a:ext uri="{FF2B5EF4-FFF2-40B4-BE49-F238E27FC236}">
-                <a16:creationId xmlns:a16="http://schemas.microsoft.com/office/drawing/2014/main" id="{36A83BC3-E830-4F37-B1FE-B74AEA9D5747}"/>
+                <a16:creationId xmlns:a16="http://schemas.microsoft.com/office/drawing/2014/main" id="{F20195A7-5C84-4549-891A-4EDEB14F9620}"/>
               </a:ext>
             </a:extLst>
           </p:cNvPr>
@@ -7882,10 +8442,10 @@
       </p:sp>
       <p:pic>
         <p:nvPicPr>
-          <p:cNvPr id="5" name="Inhaltsplatzhalter 4" descr="Ein Bild, das Text enthält.&#10;&#10;Automatisch generierte Beschreibung">
+          <p:cNvPr id="5" name="Inhaltsplatzhalter 4">
             <a:extLst>
               <a:ext uri="{FF2B5EF4-FFF2-40B4-BE49-F238E27FC236}">
-                <a16:creationId xmlns:a16="http://schemas.microsoft.com/office/drawing/2014/main" id="{2ED12D0C-64C5-4230-996D-AEF658F516C6}"/>
+                <a16:creationId xmlns:a16="http://schemas.microsoft.com/office/drawing/2014/main" id="{FF9EA8A5-1E0B-4C78-B6B8-371DBEF9D4EE}"/>
               </a:ext>
             </a:extLst>
           </p:cNvPr>
@@ -7904,15 +8464,15 @@
         </p:blipFill>
         <p:spPr>
           <a:xfrm>
-            <a:off x="2395146" y="2127535"/>
-            <a:ext cx="7401707" cy="4689093"/>
+            <a:off x="2376181" y="2073189"/>
+            <a:ext cx="7439637" cy="4713122"/>
           </a:xfrm>
         </p:spPr>
       </p:pic>
     </p:spTree>
     <p:extLst>
       <p:ext uri="{BB962C8B-B14F-4D97-AF65-F5344CB8AC3E}">
-        <p14:creationId xmlns:p14="http://schemas.microsoft.com/office/powerpoint/2010/main" val="3957087920"/>
+        <p14:creationId xmlns:p14="http://schemas.microsoft.com/office/powerpoint/2010/main" val="1404579971"/>
       </p:ext>
     </p:extLst>
   </p:cSld>
@@ -7944,7 +8504,7 @@
           <p:cNvPr id="2" name="Titel 1">
             <a:extLst>
               <a:ext uri="{FF2B5EF4-FFF2-40B4-BE49-F238E27FC236}">
-                <a16:creationId xmlns:a16="http://schemas.microsoft.com/office/drawing/2014/main" id="{44F41915-E988-4585-85C4-7689F9348635}"/>
+                <a16:creationId xmlns:a16="http://schemas.microsoft.com/office/drawing/2014/main" id="{36A83BC3-E830-4F37-B1FE-B74AEA9D5747}"/>
               </a:ext>
             </a:extLst>
           </p:cNvPr>
@@ -7962,129 +8522,45 @@
           <a:p>
             <a:r>
               <a:rPr lang="de-DE" dirty="0" err="1"/>
-              <a:t>Lessons</a:t>
-            </a:r>
-            <a:r>
-              <a:rPr lang="de-DE" dirty="0"/>
-              <a:t> </a:t>
-            </a:r>
-            <a:r>
-              <a:rPr lang="de-DE" dirty="0" err="1"/>
-              <a:t>learned</a:t>
+              <a:t>MockUps</a:t>
             </a:r>
             <a:endParaRPr lang="de-DE" dirty="0"/>
           </a:p>
         </p:txBody>
       </p:sp>
-      <p:sp>
-        <p:nvSpPr>
-          <p:cNvPr id="3" name="Inhaltsplatzhalter 2">
+      <p:pic>
+        <p:nvPicPr>
+          <p:cNvPr id="5" name="Inhaltsplatzhalter 4" descr="Ein Bild, das Text enthält.&#10;&#10;Automatisch generierte Beschreibung">
             <a:extLst>
               <a:ext uri="{FF2B5EF4-FFF2-40B4-BE49-F238E27FC236}">
-                <a16:creationId xmlns:a16="http://schemas.microsoft.com/office/drawing/2014/main" id="{CA5A813F-30D3-46DF-A860-1D4F1CB3CCD3}"/>
+                <a16:creationId xmlns:a16="http://schemas.microsoft.com/office/drawing/2014/main" id="{2ED12D0C-64C5-4230-996D-AEF658F516C6}"/>
               </a:ext>
             </a:extLst>
           </p:cNvPr>
-          <p:cNvSpPr>
-            <a:spLocks noGrp="1"/>
-          </p:cNvSpPr>
+          <p:cNvPicPr>
+            <a:picLocks noGrp="1" noChangeAspect="1"/>
+          </p:cNvPicPr>
           <p:nvPr>
             <p:ph idx="1"/>
           </p:nvPr>
-        </p:nvSpPr>
-        <p:spPr/>
-        <p:txBody>
-          <a:bodyPr/>
-          <a:lstStyle/>
-          <a:p>
-            <a:r>
-              <a:rPr lang="de-DE" dirty="0" err="1"/>
-              <a:t>PairProgramming</a:t>
-            </a:r>
-            <a:r>
-              <a:rPr lang="de-DE" dirty="0"/>
-              <a:t> ist cool, </a:t>
-            </a:r>
-            <a:r>
-              <a:rPr lang="de-DE" dirty="0" err="1"/>
-              <a:t>vorallem</a:t>
-            </a:r>
-            <a:r>
-              <a:rPr lang="de-DE" dirty="0"/>
-              <a:t> mit dem neuen </a:t>
-            </a:r>
-            <a:r>
-              <a:rPr lang="de-DE" dirty="0" err="1"/>
-              <a:t>IntelliJ</a:t>
-            </a:r>
-            <a:r>
-              <a:rPr lang="de-DE" dirty="0"/>
-              <a:t> update</a:t>
-            </a:r>
-          </a:p>
-          <a:p>
-            <a:r>
-              <a:rPr lang="de-DE" dirty="0"/>
-              <a:t>Problembehebung in JPA</a:t>
-            </a:r>
-          </a:p>
-          <a:p>
-            <a:r>
-              <a:rPr lang="de-DE" dirty="0"/>
-              <a:t>Spring</a:t>
-            </a:r>
-          </a:p>
-          <a:p>
-            <a:r>
-              <a:rPr lang="de-DE" dirty="0" err="1"/>
-              <a:t>Git</a:t>
-            </a:r>
-            <a:r>
-              <a:rPr lang="de-DE" dirty="0"/>
-              <a:t> / </a:t>
-            </a:r>
-            <a:r>
-              <a:rPr lang="de-DE" dirty="0" err="1"/>
-              <a:t>Github</a:t>
-            </a:r>
-            <a:r>
-              <a:rPr lang="de-DE" dirty="0"/>
-              <a:t> ist eigentlich ganz einfach</a:t>
-            </a:r>
-          </a:p>
-          <a:p>
-            <a:r>
-              <a:rPr lang="de-DE" dirty="0" err="1"/>
-              <a:t>IntelliJ</a:t>
-            </a:r>
-            <a:r>
-              <a:rPr lang="de-DE" dirty="0"/>
-              <a:t> Ultimate </a:t>
-            </a:r>
-            <a:r>
-              <a:rPr lang="de-DE" sz="2800" dirty="0"/>
-              <a:t>&gt;</a:t>
-            </a:r>
-            <a:r>
-              <a:rPr lang="de-DE" dirty="0"/>
-              <a:t> Community Edition</a:t>
-            </a:r>
-          </a:p>
-          <a:p>
-            <a:endParaRPr lang="de-DE" dirty="0"/>
-          </a:p>
-          <a:p>
-            <a:endParaRPr lang="de-DE" dirty="0"/>
-          </a:p>
-          <a:p>
-            <a:endParaRPr lang="de-DE" dirty="0"/>
-          </a:p>
-        </p:txBody>
-      </p:sp>
+        </p:nvPicPr>
+        <p:blipFill>
+          <a:blip r:embed="rId2"/>
+          <a:stretch>
+            <a:fillRect/>
+          </a:stretch>
+        </p:blipFill>
+        <p:spPr>
+          <a:xfrm>
+            <a:off x="2395146" y="2127535"/>
+            <a:ext cx="7401707" cy="4689093"/>
+          </a:xfrm>
+        </p:spPr>
+      </p:pic>
     </p:spTree>
     <p:extLst>
       <p:ext uri="{BB962C8B-B14F-4D97-AF65-F5344CB8AC3E}">
-        <p14:creationId xmlns:p14="http://schemas.microsoft.com/office/powerpoint/2010/main" val="3335098076"/>
+        <p14:creationId xmlns:p14="http://schemas.microsoft.com/office/powerpoint/2010/main" val="3957087920"/>
       </p:ext>
     </p:extLst>
   </p:cSld>
@@ -8116,7 +8592,7 @@
           <p:cNvPr id="2" name="Titel 1">
             <a:extLst>
               <a:ext uri="{FF2B5EF4-FFF2-40B4-BE49-F238E27FC236}">
-                <a16:creationId xmlns:a16="http://schemas.microsoft.com/office/drawing/2014/main" id="{517B74FE-6429-4421-8113-35F977EF78C5}"/>
+                <a16:creationId xmlns:a16="http://schemas.microsoft.com/office/drawing/2014/main" id="{44F41915-E988-4585-85C4-7689F9348635}"/>
               </a:ext>
             </a:extLst>
           </p:cNvPr>
@@ -8133,9 +8609,18 @@
           <a:lstStyle/>
           <a:p>
             <a:r>
+              <a:rPr lang="de-DE" dirty="0" err="1"/>
+              <a:t>Lessons</a:t>
+            </a:r>
+            <a:r>
               <a:rPr lang="de-DE" dirty="0"/>
-              <a:t>Nächste Schritte</a:t>
-            </a:r>
+              <a:t> </a:t>
+            </a:r>
+            <a:r>
+              <a:rPr lang="de-DE" dirty="0" err="1"/>
+              <a:t>learned</a:t>
+            </a:r>
+            <a:endParaRPr lang="de-DE" dirty="0"/>
           </a:p>
         </p:txBody>
       </p:sp>
@@ -8144,7 +8629,7 @@
           <p:cNvPr id="3" name="Inhaltsplatzhalter 2">
             <a:extLst>
               <a:ext uri="{FF2B5EF4-FFF2-40B4-BE49-F238E27FC236}">
-                <a16:creationId xmlns:a16="http://schemas.microsoft.com/office/drawing/2014/main" id="{BA52645D-132F-4F61-BA1D-230F6EC6C8FC}"/>
+                <a16:creationId xmlns:a16="http://schemas.microsoft.com/office/drawing/2014/main" id="{CA5A813F-30D3-46DF-A860-1D4F1CB3CCD3}"/>
               </a:ext>
             </a:extLst>
           </p:cNvPr>
@@ -8161,29 +8646,80 @@
           <a:lstStyle/>
           <a:p>
             <a:r>
+              <a:rPr lang="de-DE" dirty="0" err="1"/>
+              <a:t>PairProgramming</a:t>
+            </a:r>
+            <a:r>
               <a:rPr lang="de-DE" dirty="0"/>
-              <a:t>Frontend</a:t>
-            </a:r>
-          </a:p>
-          <a:p>
+              <a:t> ist cool, </a:t>
+            </a:r>
+            <a:r>
+              <a:rPr lang="de-DE" dirty="0" err="1"/>
+              <a:t>vorallem</a:t>
+            </a:r>
             <a:r>
               <a:rPr lang="de-DE" dirty="0"/>
-              <a:t>Kernfunktionen implementieren (Account, </a:t>
+              <a:t> mit dem neuen </a:t>
             </a:r>
             <a:r>
               <a:rPr lang="de-DE" dirty="0" err="1"/>
-              <a:t>Learnset</a:t>
+              <a:t>IntelliJ</a:t>
             </a:r>
             <a:r>
               <a:rPr lang="de-DE" dirty="0"/>
-              <a:t>)</a:t>
+              <a:t> update</a:t>
             </a:r>
           </a:p>
           <a:p>
             <a:r>
               <a:rPr lang="de-DE" dirty="0"/>
-              <a:t>Spring MVC implementieren</a:t>
-            </a:r>
+              <a:t>Problembehebung in JPA</a:t>
+            </a:r>
+          </a:p>
+          <a:p>
+            <a:r>
+              <a:rPr lang="de-DE" dirty="0"/>
+              <a:t>Spring</a:t>
+            </a:r>
+          </a:p>
+          <a:p>
+            <a:r>
+              <a:rPr lang="de-DE" dirty="0" err="1"/>
+              <a:t>Git</a:t>
+            </a:r>
+            <a:r>
+              <a:rPr lang="de-DE" dirty="0"/>
+              <a:t> / </a:t>
+            </a:r>
+            <a:r>
+              <a:rPr lang="de-DE" dirty="0" err="1"/>
+              <a:t>Github</a:t>
+            </a:r>
+            <a:r>
+              <a:rPr lang="de-DE" dirty="0"/>
+              <a:t> ist eigentlich ganz einfach</a:t>
+            </a:r>
+          </a:p>
+          <a:p>
+            <a:r>
+              <a:rPr lang="de-DE" dirty="0" err="1"/>
+              <a:t>IntelliJ</a:t>
+            </a:r>
+            <a:r>
+              <a:rPr lang="de-DE" dirty="0"/>
+              <a:t> Ultimate </a:t>
+            </a:r>
+            <a:r>
+              <a:rPr lang="de-DE" sz="2800" dirty="0"/>
+              <a:t>&gt;</a:t>
+            </a:r>
+            <a:r>
+              <a:rPr lang="de-DE" dirty="0"/>
+              <a:t> Community Edition</a:t>
+            </a:r>
+          </a:p>
+          <a:p>
+            <a:endParaRPr lang="de-DE" dirty="0"/>
           </a:p>
           <a:p>
             <a:endParaRPr lang="de-DE" dirty="0"/>
@@ -8196,7 +8732,7 @@
     </p:spTree>
     <p:extLst>
       <p:ext uri="{BB962C8B-B14F-4D97-AF65-F5344CB8AC3E}">
-        <p14:creationId xmlns:p14="http://schemas.microsoft.com/office/powerpoint/2010/main" val="1643756753"/>
+        <p14:creationId xmlns:p14="http://schemas.microsoft.com/office/powerpoint/2010/main" val="3335098076"/>
       </p:ext>
     </p:extLst>
   </p:cSld>
@@ -8228,6 +8764,118 @@
           <p:cNvPr id="2" name="Titel 1">
             <a:extLst>
               <a:ext uri="{FF2B5EF4-FFF2-40B4-BE49-F238E27FC236}">
+                <a16:creationId xmlns:a16="http://schemas.microsoft.com/office/drawing/2014/main" id="{517B74FE-6429-4421-8113-35F977EF78C5}"/>
+              </a:ext>
+            </a:extLst>
+          </p:cNvPr>
+          <p:cNvSpPr>
+            <a:spLocks noGrp="1"/>
+          </p:cNvSpPr>
+          <p:nvPr>
+            <p:ph type="title"/>
+          </p:nvPr>
+        </p:nvSpPr>
+        <p:spPr/>
+        <p:txBody>
+          <a:bodyPr/>
+          <a:lstStyle/>
+          <a:p>
+            <a:r>
+              <a:rPr lang="de-DE" dirty="0"/>
+              <a:t>Nächste Schritte</a:t>
+            </a:r>
+          </a:p>
+        </p:txBody>
+      </p:sp>
+      <p:sp>
+        <p:nvSpPr>
+          <p:cNvPr id="3" name="Inhaltsplatzhalter 2">
+            <a:extLst>
+              <a:ext uri="{FF2B5EF4-FFF2-40B4-BE49-F238E27FC236}">
+                <a16:creationId xmlns:a16="http://schemas.microsoft.com/office/drawing/2014/main" id="{BA52645D-132F-4F61-BA1D-230F6EC6C8FC}"/>
+              </a:ext>
+            </a:extLst>
+          </p:cNvPr>
+          <p:cNvSpPr>
+            <a:spLocks noGrp="1"/>
+          </p:cNvSpPr>
+          <p:nvPr>
+            <p:ph idx="1"/>
+          </p:nvPr>
+        </p:nvSpPr>
+        <p:spPr/>
+        <p:txBody>
+          <a:bodyPr/>
+          <a:lstStyle/>
+          <a:p>
+            <a:r>
+              <a:rPr lang="de-DE" dirty="0"/>
+              <a:t>Frontend</a:t>
+            </a:r>
+          </a:p>
+          <a:p>
+            <a:r>
+              <a:rPr lang="de-DE" dirty="0"/>
+              <a:t>Kernfunktionen implementieren (Account, </a:t>
+            </a:r>
+            <a:r>
+              <a:rPr lang="de-DE" dirty="0" err="1"/>
+              <a:t>Learnset</a:t>
+            </a:r>
+            <a:r>
+              <a:rPr lang="de-DE" dirty="0"/>
+              <a:t>)</a:t>
+            </a:r>
+          </a:p>
+          <a:p>
+            <a:r>
+              <a:rPr lang="de-DE" dirty="0"/>
+              <a:t>Spring MVC implementieren</a:t>
+            </a:r>
+          </a:p>
+          <a:p>
+            <a:endParaRPr lang="de-DE" dirty="0"/>
+          </a:p>
+          <a:p>
+            <a:endParaRPr lang="de-DE" dirty="0"/>
+          </a:p>
+        </p:txBody>
+      </p:sp>
+    </p:spTree>
+    <p:extLst>
+      <p:ext uri="{BB962C8B-B14F-4D97-AF65-F5344CB8AC3E}">
+        <p14:creationId xmlns:p14="http://schemas.microsoft.com/office/powerpoint/2010/main" val="1643756753"/>
+      </p:ext>
+    </p:extLst>
+  </p:cSld>
+  <p:clrMapOvr>
+    <a:masterClrMapping/>
+  </p:clrMapOvr>
+</p:sld>
+</file>
+
+<file path=ppt/slides/slide15.xml><?xml version="1.0" encoding="utf-8"?>
+<p:sld xmlns:a="http://schemas.openxmlformats.org/drawingml/2006/main" xmlns:r="http://schemas.openxmlformats.org/officeDocument/2006/relationships" xmlns:p="http://schemas.openxmlformats.org/presentationml/2006/main">
+  <p:cSld>
+    <p:spTree>
+      <p:nvGrpSpPr>
+        <p:cNvPr id="1" name=""/>
+        <p:cNvGrpSpPr/>
+        <p:nvPr/>
+      </p:nvGrpSpPr>
+      <p:grpSpPr>
+        <a:xfrm>
+          <a:off x="0" y="0"/>
+          <a:ext cx="0" cy="0"/>
+          <a:chOff x="0" y="0"/>
+          <a:chExt cx="0" cy="0"/>
+        </a:xfrm>
+      </p:grpSpPr>
+      <p:sp>
+        <p:nvSpPr>
+          <p:cNvPr id="2" name="Titel 1">
+            <a:extLst>
+              <a:ext uri="{FF2B5EF4-FFF2-40B4-BE49-F238E27FC236}">
                 <a16:creationId xmlns:a16="http://schemas.microsoft.com/office/drawing/2014/main" id="{15496B38-01A6-4955-A7A6-DAC3098EF1CA}"/>
               </a:ext>
             </a:extLst>
@@ -8307,7 +8955,7 @@
 </p:sld>
 </file>
 
-<file path=ppt/slides/slide15.xml><?xml version="1.0" encoding="utf-8"?>
+<file path=ppt/slides/slide16.xml><?xml version="1.0" encoding="utf-8"?>
 <p:sld xmlns:a="http://schemas.openxmlformats.org/drawingml/2006/main" xmlns:r="http://schemas.openxmlformats.org/officeDocument/2006/relationships" xmlns:p="http://schemas.openxmlformats.org/presentationml/2006/main">
   <p:cSld>
     <p:spTree>
@@ -8493,7 +9141,56 @@
             </a:pPr>
             <a:r>
               <a:rPr lang="de-DE" dirty="0"/>
-              <a:t>Klassen- und Datenbankdiagramm0</a:t>
+              <a:t>Was bisher geschah?</a:t>
+            </a:r>
+          </a:p>
+          <a:p>
+            <a:pPr marL="457200" indent="-457200">
+              <a:buFont typeface="+mj-lt"/>
+              <a:buAutoNum type="arabicPeriod"/>
+            </a:pPr>
+            <a:r>
+              <a:rPr lang="de-DE" dirty="0"/>
+              <a:t>Klassen- und Datenbankdiagramm</a:t>
+            </a:r>
+          </a:p>
+          <a:p>
+            <a:pPr marL="457200" indent="-457200">
+              <a:buFont typeface="+mj-lt"/>
+              <a:buAutoNum type="arabicPeriod"/>
+            </a:pPr>
+            <a:r>
+              <a:rPr lang="de-DE" dirty="0"/>
+              <a:t>Frontend</a:t>
+            </a:r>
+          </a:p>
+          <a:p>
+            <a:pPr marL="457200" indent="-457200">
+              <a:buFont typeface="+mj-lt"/>
+              <a:buAutoNum type="arabicPeriod"/>
+            </a:pPr>
+            <a:r>
+              <a:rPr lang="de-DE" dirty="0" err="1"/>
+              <a:t>Lessons</a:t>
+            </a:r>
+            <a:r>
+              <a:rPr lang="de-DE" dirty="0"/>
+              <a:t> </a:t>
+            </a:r>
+            <a:r>
+              <a:rPr lang="de-DE" dirty="0" err="1"/>
+              <a:t>Learned</a:t>
+            </a:r>
+            <a:endParaRPr lang="de-DE" dirty="0"/>
+          </a:p>
+          <a:p>
+            <a:pPr marL="457200" indent="-457200">
+              <a:buFont typeface="+mj-lt"/>
+              <a:buAutoNum type="arabicPeriod"/>
+            </a:pPr>
+            <a:r>
+              <a:rPr lang="de-DE" dirty="0"/>
+              <a:t>Nächste Schritte</a:t>
             </a:r>
           </a:p>
         </p:txBody>
@@ -8593,7 +9290,7 @@
           <a:p>
             <a:r>
               <a:rPr lang="de-DE" dirty="0"/>
-              <a:t>Zum erstellen und austauschen von Karteikarten und </a:t>
+              <a:t>Zum Erstellen und Austauschen von Karteikarten und </a:t>
             </a:r>
             <a:r>
               <a:rPr lang="de-DE" dirty="0" err="1"/>
@@ -8960,7 +9657,7 @@
           <p:cNvPr id="2" name="Titel 1">
             <a:extLst>
               <a:ext uri="{FF2B5EF4-FFF2-40B4-BE49-F238E27FC236}">
-                <a16:creationId xmlns:a16="http://schemas.microsoft.com/office/drawing/2014/main" id="{C8CE5414-2E03-4960-B716-C7D0D87216B4}"/>
+                <a16:creationId xmlns:a16="http://schemas.microsoft.com/office/drawing/2014/main" id="{7A84A95C-5826-4478-BD51-047047E468B7}"/>
               </a:ext>
             </a:extLst>
           </p:cNvPr>
@@ -8978,7 +9675,7 @@
           <a:p>
             <a:r>
               <a:rPr lang="de-DE" dirty="0"/>
-              <a:t>Auflistung aller Seiten</a:t>
+              <a:t>Datenbankausschnitt</a:t>
             </a:r>
           </a:p>
         </p:txBody>
@@ -8988,7 +9685,7 @@
           <p:cNvPr id="5" name="Inhaltsplatzhalter 4">
             <a:extLst>
               <a:ext uri="{FF2B5EF4-FFF2-40B4-BE49-F238E27FC236}">
-                <a16:creationId xmlns:a16="http://schemas.microsoft.com/office/drawing/2014/main" id="{281F2EA5-38E3-495C-9BD8-651964F369FD}"/>
+                <a16:creationId xmlns:a16="http://schemas.microsoft.com/office/drawing/2014/main" id="{CF738DA0-D6C3-4A6A-8C30-5D874F80C5AF}"/>
               </a:ext>
             </a:extLst>
           </p:cNvPr>
@@ -9007,15 +9704,45 @@
         </p:blipFill>
         <p:spPr>
           <a:xfrm>
-            <a:off x="2575563" y="2048476"/>
-            <a:ext cx="7040874" cy="4565180"/>
-          </a:xfrm>
+            <a:off x="2688680" y="2273233"/>
+            <a:ext cx="1961057" cy="3598863"/>
+          </a:xfrm>
+        </p:spPr>
+      </p:pic>
+      <p:pic>
+        <p:nvPicPr>
+          <p:cNvPr id="7" name="Grafik 6">
+            <a:extLst>
+              <a:ext uri="{FF2B5EF4-FFF2-40B4-BE49-F238E27FC236}">
+                <a16:creationId xmlns:a16="http://schemas.microsoft.com/office/drawing/2014/main" id="{C55DF4F1-A41E-466A-9136-036F6F8F0A32}"/>
+              </a:ext>
+            </a:extLst>
+          </p:cNvPr>
+          <p:cNvPicPr>
+            <a:picLocks noChangeAspect="1"/>
+          </p:cNvPicPr>
+          <p:nvPr/>
+        </p:nvPicPr>
+        <p:blipFill>
+          <a:blip r:embed="rId3"/>
+          <a:stretch>
+            <a:fillRect/>
+          </a:stretch>
+        </p:blipFill>
+        <p:spPr>
+          <a:xfrm>
+            <a:off x="6423077" y="2553426"/>
+            <a:ext cx="2238375" cy="3038475"/>
+          </a:xfrm>
+          <a:prstGeom prst="rect">
+            <a:avLst/>
+          </a:prstGeom>
         </p:spPr>
       </p:pic>
     </p:spTree>
     <p:extLst>
       <p:ext uri="{BB962C8B-B14F-4D97-AF65-F5344CB8AC3E}">
-        <p14:creationId xmlns:p14="http://schemas.microsoft.com/office/powerpoint/2010/main" val="248923782"/>
+        <p14:creationId xmlns:p14="http://schemas.microsoft.com/office/powerpoint/2010/main" val="3664678837"/>
       </p:ext>
     </p:extLst>
   </p:cSld>
@@ -9047,7 +9774,7 @@
           <p:cNvPr id="2" name="Titel 1">
             <a:extLst>
               <a:ext uri="{FF2B5EF4-FFF2-40B4-BE49-F238E27FC236}">
-                <a16:creationId xmlns:a16="http://schemas.microsoft.com/office/drawing/2014/main" id="{C2E9F24B-9FBE-471B-BC72-33B9E576CB73}"/>
+                <a16:creationId xmlns:a16="http://schemas.microsoft.com/office/drawing/2014/main" id="{C8CE5414-2E03-4960-B716-C7D0D87216B4}"/>
               </a:ext>
             </a:extLst>
           </p:cNvPr>
@@ -9065,7 +9792,7 @@
           <a:p>
             <a:r>
               <a:rPr lang="de-DE" dirty="0"/>
-              <a:t>Bisher erstellte Seiten</a:t>
+              <a:t>Auflistung aller Seiten</a:t>
             </a:r>
           </a:p>
         </p:txBody>
@@ -9075,7 +9802,7 @@
           <p:cNvPr id="5" name="Inhaltsplatzhalter 4">
             <a:extLst>
               <a:ext uri="{FF2B5EF4-FFF2-40B4-BE49-F238E27FC236}">
-                <a16:creationId xmlns:a16="http://schemas.microsoft.com/office/drawing/2014/main" id="{3A9D34BE-C66F-47F4-953D-F8592CF14315}"/>
+                <a16:creationId xmlns:a16="http://schemas.microsoft.com/office/drawing/2014/main" id="{281F2EA5-38E3-495C-9BD8-651964F369FD}"/>
               </a:ext>
             </a:extLst>
           </p:cNvPr>
@@ -9094,15 +9821,15 @@
         </p:blipFill>
         <p:spPr>
           <a:xfrm>
-            <a:off x="1470453" y="2022628"/>
-            <a:ext cx="8027579" cy="4785945"/>
+            <a:off x="2575563" y="2048476"/>
+            <a:ext cx="7040874" cy="4565180"/>
           </a:xfrm>
         </p:spPr>
       </p:pic>
     </p:spTree>
     <p:extLst>
       <p:ext uri="{BB962C8B-B14F-4D97-AF65-F5344CB8AC3E}">
-        <p14:creationId xmlns:p14="http://schemas.microsoft.com/office/powerpoint/2010/main" val="2709059017"/>
+        <p14:creationId xmlns:p14="http://schemas.microsoft.com/office/powerpoint/2010/main" val="248923782"/>
       </p:ext>
     </p:extLst>
   </p:cSld>
@@ -9134,7 +9861,7 @@
           <p:cNvPr id="2" name="Titel 1">
             <a:extLst>
               <a:ext uri="{FF2B5EF4-FFF2-40B4-BE49-F238E27FC236}">
-                <a16:creationId xmlns:a16="http://schemas.microsoft.com/office/drawing/2014/main" id="{1B937843-7417-465E-B734-C58FF66AF601}"/>
+                <a16:creationId xmlns:a16="http://schemas.microsoft.com/office/drawing/2014/main" id="{C2E9F24B-9FBE-471B-BC72-33B9E576CB73}"/>
               </a:ext>
             </a:extLst>
           </p:cNvPr>
@@ -9151,19 +9878,18 @@
           <a:lstStyle/>
           <a:p>
             <a:r>
-              <a:rPr lang="de-DE" dirty="0" err="1"/>
-              <a:t>MockUps</a:t>
-            </a:r>
-            <a:endParaRPr lang="de-DE" dirty="0"/>
+              <a:rPr lang="de-DE" dirty="0"/>
+              <a:t>Bisher erstellte Seiten</a:t>
+            </a:r>
           </a:p>
         </p:txBody>
       </p:sp>
       <p:pic>
         <p:nvPicPr>
-          <p:cNvPr id="11" name="Inhaltsplatzhalter 10">
+          <p:cNvPr id="5" name="Inhaltsplatzhalter 4">
             <a:extLst>
               <a:ext uri="{FF2B5EF4-FFF2-40B4-BE49-F238E27FC236}">
-                <a16:creationId xmlns:a16="http://schemas.microsoft.com/office/drawing/2014/main" id="{EFB9958C-ABE5-461C-AA10-E9B13D013506}"/>
+                <a16:creationId xmlns:a16="http://schemas.microsoft.com/office/drawing/2014/main" id="{3A9D34BE-C66F-47F4-953D-F8592CF14315}"/>
               </a:ext>
             </a:extLst>
           </p:cNvPr>
@@ -9182,15 +9908,15 @@
         </p:blipFill>
         <p:spPr>
           <a:xfrm>
-            <a:off x="2454287" y="2072943"/>
-            <a:ext cx="7283425" cy="4614160"/>
+            <a:off x="1470453" y="2022628"/>
+            <a:ext cx="8027579" cy="4785945"/>
           </a:xfrm>
         </p:spPr>
       </p:pic>
     </p:spTree>
     <p:extLst>
       <p:ext uri="{BB962C8B-B14F-4D97-AF65-F5344CB8AC3E}">
-        <p14:creationId xmlns:p14="http://schemas.microsoft.com/office/powerpoint/2010/main" val="25385630"/>
+        <p14:creationId xmlns:p14="http://schemas.microsoft.com/office/powerpoint/2010/main" val="2709059017"/>
       </p:ext>
     </p:extLst>
   </p:cSld>
@@ -9452,4 +10178,299 @@
     </a:ext>
   </a:extLst>
 </a:theme>
+</file>
+
+<file path=ppt/theme/theme2.xml><?xml version="1.0" encoding="utf-8"?>
+<a:theme xmlns:a="http://schemas.openxmlformats.org/drawingml/2006/main" name="Office">
+  <a:themeElements>
+    <a:clrScheme name="Office">
+      <a:dk1>
+        <a:sysClr val="windowText" lastClr="000000"/>
+      </a:dk1>
+      <a:lt1>
+        <a:sysClr val="window" lastClr="FFFFFF"/>
+      </a:lt1>
+      <a:dk2>
+        <a:srgbClr val="44546A"/>
+      </a:dk2>
+      <a:lt2>
+        <a:srgbClr val="E7E6E6"/>
+      </a:lt2>
+      <a:accent1>
+        <a:srgbClr val="4472C4"/>
+      </a:accent1>
+      <a:accent2>
+        <a:srgbClr val="ED7D31"/>
+      </a:accent2>
+      <a:accent3>
+        <a:srgbClr val="A5A5A5"/>
+      </a:accent3>
+      <a:accent4>
+        <a:srgbClr val="FFC000"/>
+      </a:accent4>
+      <a:accent5>
+        <a:srgbClr val="5B9BD5"/>
+      </a:accent5>
+      <a:accent6>
+        <a:srgbClr val="70AD47"/>
+      </a:accent6>
+      <a:hlink>
+        <a:srgbClr val="0563C1"/>
+      </a:hlink>
+      <a:folHlink>
+        <a:srgbClr val="954F72"/>
+      </a:folHlink>
+    </a:clrScheme>
+    <a:fontScheme name="Office">
+      <a:majorFont>
+        <a:latin typeface="Calibri Light" panose="020F0302020204030204"/>
+        <a:ea typeface=""/>
+        <a:cs typeface=""/>
+        <a:font script="Jpan" typeface="游ゴシック Light"/>
+        <a:font script="Hang" typeface="맑은 고딕"/>
+        <a:font script="Hans" typeface="等线 Light"/>
+        <a:font script="Hant" typeface="新細明體"/>
+        <a:font script="Arab" typeface="Times New Roman"/>
+        <a:font script="Hebr" typeface="Times New Roman"/>
+        <a:font script="Thai" typeface="Angsana New"/>
+        <a:font script="Ethi" typeface="Nyala"/>
+        <a:font script="Beng" typeface="Vrinda"/>
+        <a:font script="Gujr" typeface="Shruti"/>
+        <a:font script="Khmr" typeface="MoolBoran"/>
+        <a:font script="Knda" typeface="Tunga"/>
+        <a:font script="Guru" typeface="Raavi"/>
+        <a:font script="Cans" typeface="Euphemia"/>
+        <a:font script="Cher" typeface="Plantagenet Cherokee"/>
+        <a:font script="Yiii" typeface="Microsoft Yi Baiti"/>
+        <a:font script="Tibt" typeface="Microsoft Himalaya"/>
+        <a:font script="Thaa" typeface="MV Boli"/>
+        <a:font script="Deva" typeface="Mangal"/>
+        <a:font script="Telu" typeface="Gautami"/>
+        <a:font script="Taml" typeface="Latha"/>
+        <a:font script="Syrc" typeface="Estrangelo Edessa"/>
+        <a:font script="Orya" typeface="Kalinga"/>
+        <a:font script="Mlym" typeface="Kartika"/>
+        <a:font script="Laoo" typeface="DokChampa"/>
+        <a:font script="Sinh" typeface="Iskoola Pota"/>
+        <a:font script="Mong" typeface="Mongolian Baiti"/>
+        <a:font script="Viet" typeface="Times New Roman"/>
+        <a:font script="Uigh" typeface="Microsoft Uighur"/>
+        <a:font script="Geor" typeface="Sylfaen"/>
+        <a:font script="Armn" typeface="Arial"/>
+        <a:font script="Bugi" typeface="Leelawadee UI"/>
+        <a:font script="Bopo" typeface="Microsoft JhengHei"/>
+        <a:font script="Java" typeface="Javanese Text"/>
+        <a:font script="Lisu" typeface="Segoe UI"/>
+        <a:font script="Mymr" typeface="Myanmar Text"/>
+        <a:font script="Nkoo" typeface="Ebrima"/>
+        <a:font script="Olck" typeface="Nirmala UI"/>
+        <a:font script="Osma" typeface="Ebrima"/>
+        <a:font script="Phag" typeface="Phagspa"/>
+        <a:font script="Syrn" typeface="Estrangelo Edessa"/>
+        <a:font script="Syrj" typeface="Estrangelo Edessa"/>
+        <a:font script="Syre" typeface="Estrangelo Edessa"/>
+        <a:font script="Sora" typeface="Nirmala UI"/>
+        <a:font script="Tale" typeface="Microsoft Tai Le"/>
+        <a:font script="Talu" typeface="Microsoft New Tai Lue"/>
+        <a:font script="Tfng" typeface="Ebrima"/>
+      </a:majorFont>
+      <a:minorFont>
+        <a:latin typeface="Calibri" panose="020F0502020204030204"/>
+        <a:ea typeface=""/>
+        <a:cs typeface=""/>
+        <a:font script="Jpan" typeface="游ゴシック"/>
+        <a:font script="Hang" typeface="맑은 고딕"/>
+        <a:font script="Hans" typeface="等线"/>
+        <a:font script="Hant" typeface="新細明體"/>
+        <a:font script="Arab" typeface="Arial"/>
+        <a:font script="Hebr" typeface="Arial"/>
+        <a:font script="Thai" typeface="Cordia New"/>
+        <a:font script="Ethi" typeface="Nyala"/>
+        <a:font script="Beng" typeface="Vrinda"/>
+        <a:font script="Gujr" typeface="Shruti"/>
+        <a:font script="Khmr" typeface="DaunPenh"/>
+        <a:font script="Knda" typeface="Tunga"/>
+        <a:font script="Guru" typeface="Raavi"/>
+        <a:font script="Cans" typeface="Euphemia"/>
+        <a:font script="Cher" typeface="Plantagenet Cherokee"/>
+        <a:font script="Yiii" typeface="Microsoft Yi Baiti"/>
+        <a:font script="Tibt" typeface="Microsoft Himalaya"/>
+        <a:font script="Thaa" typeface="MV Boli"/>
+        <a:font script="Deva" typeface="Mangal"/>
+        <a:font script="Telu" typeface="Gautami"/>
+        <a:font script="Taml" typeface="Latha"/>
+        <a:font script="Syrc" typeface="Estrangelo Edessa"/>
+        <a:font script="Orya" typeface="Kalinga"/>
+        <a:font script="Mlym" typeface="Kartika"/>
+        <a:font script="Laoo" typeface="DokChampa"/>
+        <a:font script="Sinh" typeface="Iskoola Pota"/>
+        <a:font script="Mong" typeface="Mongolian Baiti"/>
+        <a:font script="Viet" typeface="Arial"/>
+        <a:font script="Uigh" typeface="Microsoft Uighur"/>
+        <a:font script="Geor" typeface="Sylfaen"/>
+        <a:font script="Armn" typeface="Arial"/>
+        <a:font script="Bugi" typeface="Leelawadee UI"/>
+        <a:font script="Bopo" typeface="Microsoft JhengHei"/>
+        <a:font script="Java" typeface="Javanese Text"/>
+        <a:font script="Lisu" typeface="Segoe UI"/>
+        <a:font script="Mymr" typeface="Myanmar Text"/>
+        <a:font script="Nkoo" typeface="Ebrima"/>
+        <a:font script="Olck" typeface="Nirmala UI"/>
+        <a:font script="Osma" typeface="Ebrima"/>
+        <a:font script="Phag" typeface="Phagspa"/>
+        <a:font script="Syrn" typeface="Estrangelo Edessa"/>
+        <a:font script="Syrj" typeface="Estrangelo Edessa"/>
+        <a:font script="Syre" typeface="Estrangelo Edessa"/>
+        <a:font script="Sora" typeface="Nirmala UI"/>
+        <a:font script="Tale" typeface="Microsoft Tai Le"/>
+        <a:font script="Talu" typeface="Microsoft New Tai Lue"/>
+        <a:font script="Tfng" typeface="Ebrima"/>
+      </a:minorFont>
+    </a:fontScheme>
+    <a:fmtScheme name="Office">
+      <a:fillStyleLst>
+        <a:solidFill>
+          <a:schemeClr val="phClr"/>
+        </a:solidFill>
+        <a:gradFill rotWithShape="1">
+          <a:gsLst>
+            <a:gs pos="0">
+              <a:schemeClr val="phClr">
+                <a:lumMod val="110000"/>
+                <a:satMod val="105000"/>
+                <a:tint val="67000"/>
+              </a:schemeClr>
+            </a:gs>
+            <a:gs pos="50000">
+              <a:schemeClr val="phClr">
+                <a:lumMod val="105000"/>
+                <a:satMod val="103000"/>
+                <a:tint val="73000"/>
+              </a:schemeClr>
+            </a:gs>
+            <a:gs pos="100000">
+              <a:schemeClr val="phClr">
+                <a:lumMod val="105000"/>
+                <a:satMod val="109000"/>
+                <a:tint val="81000"/>
+              </a:schemeClr>
+            </a:gs>
+          </a:gsLst>
+          <a:lin ang="5400000" scaled="0"/>
+        </a:gradFill>
+        <a:gradFill rotWithShape="1">
+          <a:gsLst>
+            <a:gs pos="0">
+              <a:schemeClr val="phClr">
+                <a:satMod val="103000"/>
+                <a:lumMod val="102000"/>
+                <a:tint val="94000"/>
+              </a:schemeClr>
+            </a:gs>
+            <a:gs pos="50000">
+              <a:schemeClr val="phClr">
+                <a:satMod val="110000"/>
+                <a:lumMod val="100000"/>
+                <a:shade val="100000"/>
+              </a:schemeClr>
+            </a:gs>
+            <a:gs pos="100000">
+              <a:schemeClr val="phClr">
+                <a:lumMod val="99000"/>
+                <a:satMod val="120000"/>
+                <a:shade val="78000"/>
+              </a:schemeClr>
+            </a:gs>
+          </a:gsLst>
+          <a:lin ang="5400000" scaled="0"/>
+        </a:gradFill>
+      </a:fillStyleLst>
+      <a:lnStyleLst>
+        <a:ln w="6350" cap="flat" cmpd="sng" algn="ctr">
+          <a:solidFill>
+            <a:schemeClr val="phClr"/>
+          </a:solidFill>
+          <a:prstDash val="solid"/>
+          <a:miter lim="800000"/>
+        </a:ln>
+        <a:ln w="12700" cap="flat" cmpd="sng" algn="ctr">
+          <a:solidFill>
+            <a:schemeClr val="phClr"/>
+          </a:solidFill>
+          <a:prstDash val="solid"/>
+          <a:miter lim="800000"/>
+        </a:ln>
+        <a:ln w="19050" cap="flat" cmpd="sng" algn="ctr">
+          <a:solidFill>
+            <a:schemeClr val="phClr"/>
+          </a:solidFill>
+          <a:prstDash val="solid"/>
+          <a:miter lim="800000"/>
+        </a:ln>
+      </a:lnStyleLst>
+      <a:effectStyleLst>
+        <a:effectStyle>
+          <a:effectLst/>
+        </a:effectStyle>
+        <a:effectStyle>
+          <a:effectLst/>
+        </a:effectStyle>
+        <a:effectStyle>
+          <a:effectLst>
+            <a:outerShdw blurRad="57150" dist="19050" dir="5400000" algn="ctr" rotWithShape="0">
+              <a:srgbClr val="000000">
+                <a:alpha val="63000"/>
+              </a:srgbClr>
+            </a:outerShdw>
+          </a:effectLst>
+        </a:effectStyle>
+      </a:effectStyleLst>
+      <a:bgFillStyleLst>
+        <a:solidFill>
+          <a:schemeClr val="phClr"/>
+        </a:solidFill>
+        <a:solidFill>
+          <a:schemeClr val="phClr">
+            <a:tint val="95000"/>
+            <a:satMod val="170000"/>
+          </a:schemeClr>
+        </a:solidFill>
+        <a:gradFill rotWithShape="1">
+          <a:gsLst>
+            <a:gs pos="0">
+              <a:schemeClr val="phClr">
+                <a:tint val="93000"/>
+                <a:satMod val="150000"/>
+                <a:shade val="98000"/>
+                <a:lumMod val="102000"/>
+              </a:schemeClr>
+            </a:gs>
+            <a:gs pos="50000">
+              <a:schemeClr val="phClr">
+                <a:tint val="98000"/>
+                <a:satMod val="130000"/>
+                <a:shade val="90000"/>
+                <a:lumMod val="103000"/>
+              </a:schemeClr>
+            </a:gs>
+            <a:gs pos="100000">
+              <a:schemeClr val="phClr">
+                <a:shade val="63000"/>
+                <a:satMod val="120000"/>
+              </a:schemeClr>
+            </a:gs>
+          </a:gsLst>
+          <a:lin ang="5400000" scaled="0"/>
+        </a:gradFill>
+      </a:bgFillStyleLst>
+    </a:fmtScheme>
+  </a:themeElements>
+  <a:objectDefaults/>
+  <a:extraClrSchemeLst/>
+  <a:extLst>
+    <a:ext uri="{05A4C25C-085E-4340-85A3-A5531E510DB2}">
+      <thm15:themeFamily xmlns:thm15="http://schemas.microsoft.com/office/thememl/2012/main" name="Office Theme" id="{62F939B6-93AF-4DB8-9C6B-D6C7DFDC589F}" vid="{4A3C46E8-61CC-4603-A589-7422A47A8E4A}"/>
+    </a:ext>
+  </a:extLst>
+</a:theme>
 </file>